--- a/deliverables/03.final/Compiler_1210_f1.pptx
+++ b/deliverables/03.final/Compiler_1210_f1.pptx
@@ -233,7 +233,7 @@
           <a:p>
             <a:fld id="{402EEFF5-DFDD-4269-8758-ED79286E9820}" type="datetimeFigureOut">
               <a:rPr lang="ko-KR" altLang="en-US" smtClean="0"/>
-              <a:t>2018. 12. 10.</a:t>
+              <a:t>2018-12-10</a:t>
             </a:fld>
             <a:endParaRPr lang="ko-KR" altLang="en-US"/>
           </a:p>
@@ -629,7 +629,7 @@
           <a:p>
             <a:fld id="{244D4A52-149A-4224-86D2-07F03D2F6AA9}" type="datetimeFigureOut">
               <a:rPr lang="ko-KR" altLang="en-US" smtClean="0"/>
-              <a:t>2018. 12. 10.</a:t>
+              <a:t>2018-12-10</a:t>
             </a:fld>
             <a:endParaRPr lang="ko-KR" altLang="en-US" dirty="0"/>
           </a:p>
@@ -797,7 +797,7 @@
           <a:p>
             <a:fld id="{244D4A52-149A-4224-86D2-07F03D2F6AA9}" type="datetimeFigureOut">
               <a:rPr lang="ko-KR" altLang="en-US" smtClean="0"/>
-              <a:t>2018. 12. 10.</a:t>
+              <a:t>2018-12-10</a:t>
             </a:fld>
             <a:endParaRPr lang="ko-KR" altLang="en-US"/>
           </a:p>
@@ -975,7 +975,7 @@
           <a:p>
             <a:fld id="{244D4A52-149A-4224-86D2-07F03D2F6AA9}" type="datetimeFigureOut">
               <a:rPr lang="ko-KR" altLang="en-US" smtClean="0"/>
-              <a:t>2018. 12. 10.</a:t>
+              <a:t>2018-12-10</a:t>
             </a:fld>
             <a:endParaRPr lang="ko-KR" altLang="en-US"/>
           </a:p>
@@ -1143,7 +1143,7 @@
           <a:p>
             <a:fld id="{244D4A52-149A-4224-86D2-07F03D2F6AA9}" type="datetimeFigureOut">
               <a:rPr lang="ko-KR" altLang="en-US" smtClean="0"/>
-              <a:t>2018. 12. 10.</a:t>
+              <a:t>2018-12-10</a:t>
             </a:fld>
             <a:endParaRPr lang="ko-KR" altLang="en-US" dirty="0"/>
           </a:p>
@@ -1428,7 +1428,7 @@
           <a:p>
             <a:fld id="{244D4A52-149A-4224-86D2-07F03D2F6AA9}" type="datetimeFigureOut">
               <a:rPr lang="ko-KR" altLang="en-US" smtClean="0"/>
-              <a:t>2018. 12. 10.</a:t>
+              <a:t>2018-12-10</a:t>
             </a:fld>
             <a:endParaRPr lang="ko-KR" altLang="en-US"/>
           </a:p>
@@ -1657,7 +1657,7 @@
           <a:p>
             <a:fld id="{244D4A52-149A-4224-86D2-07F03D2F6AA9}" type="datetimeFigureOut">
               <a:rPr lang="ko-KR" altLang="en-US" smtClean="0"/>
-              <a:t>2018. 12. 10.</a:t>
+              <a:t>2018-12-10</a:t>
             </a:fld>
             <a:endParaRPr lang="ko-KR" altLang="en-US"/>
           </a:p>
@@ -2021,7 +2021,7 @@
           <a:p>
             <a:fld id="{244D4A52-149A-4224-86D2-07F03D2F6AA9}" type="datetimeFigureOut">
               <a:rPr lang="ko-KR" altLang="en-US" smtClean="0"/>
-              <a:t>2018. 12. 10.</a:t>
+              <a:t>2018-12-10</a:t>
             </a:fld>
             <a:endParaRPr lang="ko-KR" altLang="en-US"/>
           </a:p>
@@ -2138,7 +2138,7 @@
           <a:p>
             <a:fld id="{244D4A52-149A-4224-86D2-07F03D2F6AA9}" type="datetimeFigureOut">
               <a:rPr lang="ko-KR" altLang="en-US" smtClean="0"/>
-              <a:t>2018. 12. 10.</a:t>
+              <a:t>2018-12-10</a:t>
             </a:fld>
             <a:endParaRPr lang="ko-KR" altLang="en-US"/>
           </a:p>
@@ -2233,7 +2233,7 @@
           <a:p>
             <a:fld id="{244D4A52-149A-4224-86D2-07F03D2F6AA9}" type="datetimeFigureOut">
               <a:rPr lang="ko-KR" altLang="en-US" smtClean="0"/>
-              <a:t>2018. 12. 10.</a:t>
+              <a:t>2018-12-10</a:t>
             </a:fld>
             <a:endParaRPr lang="ko-KR" altLang="en-US"/>
           </a:p>
@@ -2508,7 +2508,7 @@
           <a:p>
             <a:fld id="{244D4A52-149A-4224-86D2-07F03D2F6AA9}" type="datetimeFigureOut">
               <a:rPr lang="ko-KR" altLang="en-US" smtClean="0"/>
-              <a:t>2018. 12. 10.</a:t>
+              <a:t>2018-12-10</a:t>
             </a:fld>
             <a:endParaRPr lang="ko-KR" altLang="en-US"/>
           </a:p>
@@ -2760,7 +2760,7 @@
           <a:p>
             <a:fld id="{244D4A52-149A-4224-86D2-07F03D2F6AA9}" type="datetimeFigureOut">
               <a:rPr lang="ko-KR" altLang="en-US" smtClean="0"/>
-              <a:t>2018. 12. 10.</a:t>
+              <a:t>2018-12-10</a:t>
             </a:fld>
             <a:endParaRPr lang="ko-KR" altLang="en-US"/>
           </a:p>
@@ -2971,7 +2971,7 @@
           <a:p>
             <a:fld id="{244D4A52-149A-4224-86D2-07F03D2F6AA9}" type="datetimeFigureOut">
               <a:rPr lang="ko-KR" altLang="en-US" smtClean="0"/>
-              <a:t>2018. 12. 10.</a:t>
+              <a:t>2018-12-10</a:t>
             </a:fld>
             <a:endParaRPr lang="ko-KR" altLang="en-US"/>
           </a:p>
@@ -18554,6 +18554,58 @@
           </a:p>
         </p:txBody>
       </p:sp>
+      <p:sp>
+        <p:nvSpPr>
+          <p:cNvPr id="10" name="왼쪽으로 구부러진 화살표 9"/>
+          <p:cNvSpPr/>
+          <p:nvPr/>
+        </p:nvSpPr>
+        <p:spPr>
+          <a:xfrm rot="10800000">
+            <a:off x="960295" y="1824824"/>
+            <a:ext cx="1224501" cy="4575976"/>
+          </a:xfrm>
+          <a:prstGeom prst="curvedLeftArrow">
+            <a:avLst>
+              <a:gd name="adj1" fmla="val 25000"/>
+              <a:gd name="adj2" fmla="val 52564"/>
+              <a:gd name="adj3" fmla="val 25000"/>
+            </a:avLst>
+          </a:prstGeom>
+          <a:solidFill>
+            <a:srgbClr val="FFFF00"/>
+          </a:solidFill>
+          <a:ln>
+            <a:solidFill>
+              <a:srgbClr val="FFC000"/>
+            </a:solidFill>
+          </a:ln>
+        </p:spPr>
+        <p:style>
+          <a:lnRef idx="2">
+            <a:schemeClr val="accent1">
+              <a:shade val="50000"/>
+            </a:schemeClr>
+          </a:lnRef>
+          <a:fillRef idx="1">
+            <a:schemeClr val="accent1"/>
+          </a:fillRef>
+          <a:effectRef idx="0">
+            <a:schemeClr val="accent1"/>
+          </a:effectRef>
+          <a:fontRef idx="minor">
+            <a:schemeClr val="lt1"/>
+          </a:fontRef>
+        </p:style>
+        <p:txBody>
+          <a:bodyPr rtlCol="0" anchor="ctr"/>
+          <a:lstStyle/>
+          <a:p>
+            <a:pPr algn="ctr"/>
+            <a:endParaRPr lang="ko-KR" altLang="en-US"/>
+          </a:p>
+        </p:txBody>
+      </p:sp>
     </p:spTree>
     <p:extLst>
       <p:ext uri="{BB962C8B-B14F-4D97-AF65-F5344CB8AC3E}">
@@ -22279,16 +22331,8 @@
           <a:p>
             <a:pPr algn="ctr"/>
             <a:r>
-              <a:rPr lang="en-US" altLang="ko-KR" sz="2000" dirty="0"/>
-              <a:t>Make </a:t>
-            </a:r>
-            <a:r>
-              <a:rPr lang="en-US" altLang="ko-KR" sz="2000" dirty="0" err="1"/>
-              <a:t>BasicCodeBlock</a:t>
-            </a:r>
-            <a:r>
-              <a:rPr lang="en-US" altLang="ko-KR" sz="2000" dirty="0"/>
-              <a:t> Graph for DFA</a:t>
+              <a:rPr lang="en-US" altLang="ko-KR" sz="2000" dirty="0" smtClean="0"/>
+              <a:t>Build Control Flow Graph</a:t>
             </a:r>
             <a:endParaRPr lang="ko-KR" altLang="en-US" sz="2000" dirty="0"/>
           </a:p>
@@ -22511,16 +22555,8 @@
           <a:p>
             <a:pPr algn="ctr"/>
             <a:r>
-              <a:rPr lang="en-US" altLang="ko-KR" sz="2000" dirty="0"/>
-              <a:t>Compute </a:t>
-            </a:r>
-            <a:r>
-              <a:rPr lang="en-US" altLang="ko-KR" sz="2000" dirty="0" err="1"/>
-              <a:t>ReachingDefinition</a:t>
-            </a:r>
-            <a:r>
-              <a:rPr lang="en-US" altLang="ko-KR" sz="2000" dirty="0"/>
-              <a:t> (IN / OUT)</a:t>
+              <a:rPr lang="en-US" altLang="ko-KR" sz="2000" dirty="0" smtClean="0"/>
+              <a:t>Reaching Analysis</a:t>
             </a:r>
             <a:endParaRPr lang="ko-KR" altLang="en-US" sz="2000" dirty="0"/>
           </a:p>
